--- a/presentation-source/12-governance.pptx
+++ b/presentation-source/12-governance.pptx
@@ -229,7 +229,7 @@
             <a:fld id="{7307762F-A706-E543-A832-3C298AA3103F}" type="datetimeFigureOut">
               <a:rPr lang="en-US" smtClean="0"/>
               <a:pPr/>
-              <a:t>10/06/16</a:t>
+              <a:t>07/05/17</a:t>
             </a:fld>
             <a:endParaRPr lang="en-US" dirty="0"/>
           </a:p>
@@ -796,7 +796,7 @@
           <a:p>
             <a:fld id="{875CF0EB-321F-0749-B37A-89BBA859503C}" type="datetimeFigureOut">
               <a:rPr lang="en-US" smtClean="0"/>
-              <a:t>10/06/16</a:t>
+              <a:t>07/05/17</a:t>
             </a:fld>
             <a:endParaRPr lang="en-US"/>
           </a:p>
@@ -1000,7 +1000,7 @@
           <a:p>
             <a:fld id="{875CF0EB-321F-0749-B37A-89BBA859503C}" type="datetimeFigureOut">
               <a:rPr lang="en-US" smtClean="0"/>
-              <a:t>10/06/16</a:t>
+              <a:t>07/05/17</a:t>
             </a:fld>
             <a:endParaRPr lang="en-US"/>
           </a:p>
@@ -1194,7 +1194,7 @@
           <a:p>
             <a:fld id="{875CF0EB-321F-0749-B37A-89BBA859503C}" type="datetimeFigureOut">
               <a:rPr lang="en-US" smtClean="0"/>
-              <a:t>10/06/16</a:t>
+              <a:t>07/05/17</a:t>
             </a:fld>
             <a:endParaRPr lang="en-US"/>
           </a:p>
@@ -1464,7 +1464,7 @@
           <a:p>
             <a:fld id="{875CF0EB-321F-0749-B37A-89BBA859503C}" type="datetimeFigureOut">
               <a:rPr lang="en-US" smtClean="0"/>
-              <a:t>10/06/16</a:t>
+              <a:t>07/05/17</a:t>
             </a:fld>
             <a:endParaRPr lang="en-US"/>
           </a:p>
@@ -1776,7 +1776,7 @@
           <a:p>
             <a:fld id="{875CF0EB-321F-0749-B37A-89BBA859503C}" type="datetimeFigureOut">
               <a:rPr lang="en-US" smtClean="0"/>
-              <a:t>10/06/16</a:t>
+              <a:t>07/05/17</a:t>
             </a:fld>
             <a:endParaRPr lang="en-US"/>
           </a:p>
@@ -2222,7 +2222,7 @@
           <a:p>
             <a:fld id="{875CF0EB-321F-0749-B37A-89BBA859503C}" type="datetimeFigureOut">
               <a:rPr lang="en-US" smtClean="0"/>
-              <a:t>10/06/16</a:t>
+              <a:t>07/05/17</a:t>
             </a:fld>
             <a:endParaRPr lang="en-US"/>
           </a:p>
@@ -2364,7 +2364,7 @@
           <a:p>
             <a:fld id="{875CF0EB-321F-0749-B37A-89BBA859503C}" type="datetimeFigureOut">
               <a:rPr lang="en-US" smtClean="0"/>
-              <a:t>10/06/16</a:t>
+              <a:t>07/05/17</a:t>
             </a:fld>
             <a:endParaRPr lang="en-US"/>
           </a:p>
@@ -2483,7 +2483,7 @@
           <a:p>
             <a:fld id="{875CF0EB-321F-0749-B37A-89BBA859503C}" type="datetimeFigureOut">
               <a:rPr lang="en-US" smtClean="0"/>
-              <a:t>10/06/16</a:t>
+              <a:t>07/05/17</a:t>
             </a:fld>
             <a:endParaRPr lang="en-US"/>
           </a:p>
@@ -2784,7 +2784,7 @@
           <a:p>
             <a:fld id="{875CF0EB-321F-0749-B37A-89BBA859503C}" type="datetimeFigureOut">
               <a:rPr lang="en-US" smtClean="0"/>
-              <a:t>10/06/16</a:t>
+              <a:t>07/05/17</a:t>
             </a:fld>
             <a:endParaRPr lang="en-US"/>
           </a:p>
@@ -3061,7 +3061,7 @@
           <a:p>
             <a:fld id="{875CF0EB-321F-0749-B37A-89BBA859503C}" type="datetimeFigureOut">
               <a:rPr lang="en-US" smtClean="0"/>
-              <a:t>10/06/16</a:t>
+              <a:t>07/05/17</a:t>
             </a:fld>
             <a:endParaRPr lang="en-US"/>
           </a:p>
@@ -3441,19 +3441,7 @@
               <a:rPr lang="en-US" sz="700" dirty="0" smtClean="0">
                 <a:latin typeface="Montserrat"/>
               </a:rPr>
-              <a:t>© Paul Fremantle </a:t>
-            </a:r>
-            <a:r>
-              <a:rPr lang="en-US" sz="700" dirty="0" smtClean="0">
-                <a:latin typeface="Montserrat"/>
-              </a:rPr>
-              <a:t>2016 except where credited elsewhere. </a:t>
-            </a:r>
-            <a:r>
-              <a:rPr lang="en-US" sz="700" dirty="0" smtClean="0">
-                <a:latin typeface="Montserrat"/>
-              </a:rPr>
-              <a:t> This work is licensed under a Creative Commons</a:t>
+              <a:t>© Paul Fremantle 2016 except where credited elsewhere.  This work is licensed under a Creative Commons</a:t>
             </a:r>
           </a:p>
           <a:p>
@@ -3891,11 +3879,11 @@
           </a:p>
           <a:p>
             <a:r>
-              <a:rPr lang="en-US" dirty="0" smtClean="0">
+              <a:rPr lang="en-US" smtClean="0">
                 <a:ea typeface="ヒラギノ角ゴ ProN W3" charset="0"/>
                 <a:cs typeface="ヒラギノ角ゴ ProN W3" charset="0"/>
               </a:rPr>
-              <a:t>June 2016</a:t>
+              <a:t>May 2017</a:t>
             </a:r>
             <a:endParaRPr lang="en-US" dirty="0">
               <a:ea typeface="ヒラギノ角ゴ ProN W3" charset="0"/>
